--- a/GesamtDokumentation/Zeichnungen/Bilder_RT.pptx
+++ b/GesamtDokumentation/Zeichnungen/Bilder_RT.pptx
@@ -104,6 +104,11 @@
       </a:defRPr>
     </a:lvl9pPr>
   </p:defaultTextStyle>
+  <p:extLst>
+    <p:ext uri="{EFAFB233-063F-42B5-8137-9DF3F51BA10A}">
+      <p15:sldGuideLst xmlns:p15="http://schemas.microsoft.com/office/powerpoint/2012/main"/>
+    </p:ext>
+  </p:extLst>
 </p:presentation>
 </file>
 
@@ -238,7 +243,7 @@
           <a:p>
             <a:fld id="{5037DEC4-F79B-409D-A182-E9F18C195EEA}" type="datetimeFigureOut">
               <a:rPr lang="de-DE" smtClean="0"/>
-              <a:t>09.08.2016</a:t>
+              <a:t>02.09.2016</a:t>
             </a:fld>
             <a:endParaRPr lang="de-DE"/>
           </a:p>
@@ -408,7 +413,7 @@
           <a:p>
             <a:fld id="{5037DEC4-F79B-409D-A182-E9F18C195EEA}" type="datetimeFigureOut">
               <a:rPr lang="de-DE" smtClean="0"/>
-              <a:t>09.08.2016</a:t>
+              <a:t>02.09.2016</a:t>
             </a:fld>
             <a:endParaRPr lang="de-DE"/>
           </a:p>
@@ -588,7 +593,7 @@
           <a:p>
             <a:fld id="{5037DEC4-F79B-409D-A182-E9F18C195EEA}" type="datetimeFigureOut">
               <a:rPr lang="de-DE" smtClean="0"/>
-              <a:t>09.08.2016</a:t>
+              <a:t>02.09.2016</a:t>
             </a:fld>
             <a:endParaRPr lang="de-DE"/>
           </a:p>
@@ -758,7 +763,7 @@
           <a:p>
             <a:fld id="{5037DEC4-F79B-409D-A182-E9F18C195EEA}" type="datetimeFigureOut">
               <a:rPr lang="de-DE" smtClean="0"/>
-              <a:t>09.08.2016</a:t>
+              <a:t>02.09.2016</a:t>
             </a:fld>
             <a:endParaRPr lang="de-DE"/>
           </a:p>
@@ -1004,7 +1009,7 @@
           <a:p>
             <a:fld id="{5037DEC4-F79B-409D-A182-E9F18C195EEA}" type="datetimeFigureOut">
               <a:rPr lang="de-DE" smtClean="0"/>
-              <a:t>09.08.2016</a:t>
+              <a:t>02.09.2016</a:t>
             </a:fld>
             <a:endParaRPr lang="de-DE"/>
           </a:p>
@@ -1236,7 +1241,7 @@
           <a:p>
             <a:fld id="{5037DEC4-F79B-409D-A182-E9F18C195EEA}" type="datetimeFigureOut">
               <a:rPr lang="de-DE" smtClean="0"/>
-              <a:t>09.08.2016</a:t>
+              <a:t>02.09.2016</a:t>
             </a:fld>
             <a:endParaRPr lang="de-DE"/>
           </a:p>
@@ -1603,7 +1608,7 @@
           <a:p>
             <a:fld id="{5037DEC4-F79B-409D-A182-E9F18C195EEA}" type="datetimeFigureOut">
               <a:rPr lang="de-DE" smtClean="0"/>
-              <a:t>09.08.2016</a:t>
+              <a:t>02.09.2016</a:t>
             </a:fld>
             <a:endParaRPr lang="de-DE"/>
           </a:p>
@@ -1721,7 +1726,7 @@
           <a:p>
             <a:fld id="{5037DEC4-F79B-409D-A182-E9F18C195EEA}" type="datetimeFigureOut">
               <a:rPr lang="de-DE" smtClean="0"/>
-              <a:t>09.08.2016</a:t>
+              <a:t>02.09.2016</a:t>
             </a:fld>
             <a:endParaRPr lang="de-DE"/>
           </a:p>
@@ -1816,7 +1821,7 @@
           <a:p>
             <a:fld id="{5037DEC4-F79B-409D-A182-E9F18C195EEA}" type="datetimeFigureOut">
               <a:rPr lang="de-DE" smtClean="0"/>
-              <a:t>09.08.2016</a:t>
+              <a:t>02.09.2016</a:t>
             </a:fld>
             <a:endParaRPr lang="de-DE"/>
           </a:p>
@@ -2093,7 +2098,7 @@
           <a:p>
             <a:fld id="{5037DEC4-F79B-409D-A182-E9F18C195EEA}" type="datetimeFigureOut">
               <a:rPr lang="de-DE" smtClean="0"/>
-              <a:t>09.08.2016</a:t>
+              <a:t>02.09.2016</a:t>
             </a:fld>
             <a:endParaRPr lang="de-DE"/>
           </a:p>
@@ -2346,7 +2351,7 @@
           <a:p>
             <a:fld id="{5037DEC4-F79B-409D-A182-E9F18C195EEA}" type="datetimeFigureOut">
               <a:rPr lang="de-DE" smtClean="0"/>
-              <a:t>09.08.2016</a:t>
+              <a:t>02.09.2016</a:t>
             </a:fld>
             <a:endParaRPr lang="de-DE"/>
           </a:p>
@@ -2559,7 +2564,7 @@
           <a:p>
             <a:fld id="{5037DEC4-F79B-409D-A182-E9F18C195EEA}" type="datetimeFigureOut">
               <a:rPr lang="de-DE" smtClean="0"/>
-              <a:t>09.08.2016</a:t>
+              <a:t>02.09.2016</a:t>
             </a:fld>
             <a:endParaRPr lang="de-DE"/>
           </a:p>
@@ -3018,11 +3023,6 @@
               </a:rPr>
               <a:t>B</a:t>
             </a:r>
-            <a:endParaRPr lang="de-DE" b="1" dirty="0">
-              <a:solidFill>
-                <a:sysClr val="windowText" lastClr="000000"/>
-              </a:solidFill>
-            </a:endParaRPr>
           </a:p>
         </p:txBody>
       </p:sp>
@@ -3212,8 +3212,8 @@
           </a:p>
         </p:txBody>
       </p:sp>
-      <mc:AlternateContent xmlns:mc="http://schemas.openxmlformats.org/markup-compatibility/2006">
-        <mc:Choice xmlns:a14="http://schemas.microsoft.com/office/drawing/2010/main" Requires="a14">
+      <mc:AlternateContent xmlns:mc="http://schemas.openxmlformats.org/markup-compatibility/2006" xmlns:a14="http://schemas.microsoft.com/office/drawing/2010/main">
+        <mc:Choice Requires="a14">
           <p:sp>
             <p:nvSpPr>
               <p:cNvPr id="8" name="Rechteck 7"/>
@@ -3269,7 +3269,7 @@
                       <m:f>
                         <m:fPr>
                           <m:ctrlPr>
-                            <a:rPr lang="de-DE" smtClean="0">
+                            <a:rPr lang="de-DE" i="1" smtClean="0">
                               <a:solidFill>
                                 <a:sysClr val="windowText" lastClr="000000"/>
                               </a:solidFill>
@@ -3316,7 +3316,7 @@
             </p:txBody>
           </p:sp>
         </mc:Choice>
-        <mc:Fallback>
+        <mc:Fallback xmlns="">
           <p:sp>
             <p:nvSpPr>
               <p:cNvPr id="8" name="Rechteck 7"/>
@@ -3972,11 +3972,6 @@
               </a:rPr>
               <a:t>F</a:t>
             </a:r>
-            <a:endParaRPr lang="de-DE" b="1" dirty="0">
-              <a:solidFill>
-                <a:sysClr val="windowText" lastClr="000000"/>
-              </a:solidFill>
-            </a:endParaRPr>
           </a:p>
         </p:txBody>
       </p:sp>
@@ -4119,7 +4114,6 @@
               <a:rPr lang="de-DE" dirty="0"/>
               <a:t>+</a:t>
             </a:r>
-            <a:endParaRPr lang="de-DE" dirty="0"/>
           </a:p>
         </p:txBody>
       </p:sp>
@@ -4149,7 +4143,6 @@
               <a:rPr lang="de-DE" dirty="0"/>
               <a:t>+</a:t>
             </a:r>
-            <a:endParaRPr lang="de-DE" dirty="0"/>
           </a:p>
         </p:txBody>
       </p:sp>
@@ -4179,7 +4172,6 @@
               <a:rPr lang="de-DE" dirty="0"/>
               <a:t>+</a:t>
             </a:r>
-            <a:endParaRPr lang="de-DE" dirty="0"/>
           </a:p>
         </p:txBody>
       </p:sp>
@@ -4249,7 +4241,6 @@
               <a:rPr lang="de-DE" dirty="0"/>
               <a:t>+</a:t>
             </a:r>
-            <a:endParaRPr lang="de-DE" dirty="0"/>
           </a:p>
         </p:txBody>
       </p:sp>
@@ -4312,7 +4303,6 @@
               <a:rPr lang="de-DE" dirty="0"/>
               <a:t>+</a:t>
             </a:r>
-            <a:endParaRPr lang="de-DE" dirty="0"/>
           </a:p>
         </p:txBody>
       </p:sp>
@@ -4342,7 +4332,6 @@
               <a:rPr lang="de-DE" dirty="0"/>
               <a:t>+</a:t>
             </a:r>
-            <a:endParaRPr lang="de-DE" dirty="0"/>
           </a:p>
         </p:txBody>
       </p:sp>

--- a/GesamtDokumentation/Zeichnungen/Bilder_RT.pptx
+++ b/GesamtDokumentation/Zeichnungen/Bilder_RT.pptx
@@ -243,7 +243,7 @@
           <a:p>
             <a:fld id="{5037DEC4-F79B-409D-A182-E9F18C195EEA}" type="datetimeFigureOut">
               <a:rPr lang="de-DE" smtClean="0"/>
-              <a:t>02.09.2016</a:t>
+              <a:t>16.09.2016</a:t>
             </a:fld>
             <a:endParaRPr lang="de-DE"/>
           </a:p>
@@ -413,7 +413,7 @@
           <a:p>
             <a:fld id="{5037DEC4-F79B-409D-A182-E9F18C195EEA}" type="datetimeFigureOut">
               <a:rPr lang="de-DE" smtClean="0"/>
-              <a:t>02.09.2016</a:t>
+              <a:t>16.09.2016</a:t>
             </a:fld>
             <a:endParaRPr lang="de-DE"/>
           </a:p>
@@ -593,7 +593,7 @@
           <a:p>
             <a:fld id="{5037DEC4-F79B-409D-A182-E9F18C195EEA}" type="datetimeFigureOut">
               <a:rPr lang="de-DE" smtClean="0"/>
-              <a:t>02.09.2016</a:t>
+              <a:t>16.09.2016</a:t>
             </a:fld>
             <a:endParaRPr lang="de-DE"/>
           </a:p>
@@ -763,7 +763,7 @@
           <a:p>
             <a:fld id="{5037DEC4-F79B-409D-A182-E9F18C195EEA}" type="datetimeFigureOut">
               <a:rPr lang="de-DE" smtClean="0"/>
-              <a:t>02.09.2016</a:t>
+              <a:t>16.09.2016</a:t>
             </a:fld>
             <a:endParaRPr lang="de-DE"/>
           </a:p>
@@ -1009,7 +1009,7 @@
           <a:p>
             <a:fld id="{5037DEC4-F79B-409D-A182-E9F18C195EEA}" type="datetimeFigureOut">
               <a:rPr lang="de-DE" smtClean="0"/>
-              <a:t>02.09.2016</a:t>
+              <a:t>16.09.2016</a:t>
             </a:fld>
             <a:endParaRPr lang="de-DE"/>
           </a:p>
@@ -1241,7 +1241,7 @@
           <a:p>
             <a:fld id="{5037DEC4-F79B-409D-A182-E9F18C195EEA}" type="datetimeFigureOut">
               <a:rPr lang="de-DE" smtClean="0"/>
-              <a:t>02.09.2016</a:t>
+              <a:t>16.09.2016</a:t>
             </a:fld>
             <a:endParaRPr lang="de-DE"/>
           </a:p>
@@ -1608,7 +1608,7 @@
           <a:p>
             <a:fld id="{5037DEC4-F79B-409D-A182-E9F18C195EEA}" type="datetimeFigureOut">
               <a:rPr lang="de-DE" smtClean="0"/>
-              <a:t>02.09.2016</a:t>
+              <a:t>16.09.2016</a:t>
             </a:fld>
             <a:endParaRPr lang="de-DE"/>
           </a:p>
@@ -1726,7 +1726,7 @@
           <a:p>
             <a:fld id="{5037DEC4-F79B-409D-A182-E9F18C195EEA}" type="datetimeFigureOut">
               <a:rPr lang="de-DE" smtClean="0"/>
-              <a:t>02.09.2016</a:t>
+              <a:t>16.09.2016</a:t>
             </a:fld>
             <a:endParaRPr lang="de-DE"/>
           </a:p>
@@ -1821,7 +1821,7 @@
           <a:p>
             <a:fld id="{5037DEC4-F79B-409D-A182-E9F18C195EEA}" type="datetimeFigureOut">
               <a:rPr lang="de-DE" smtClean="0"/>
-              <a:t>02.09.2016</a:t>
+              <a:t>16.09.2016</a:t>
             </a:fld>
             <a:endParaRPr lang="de-DE"/>
           </a:p>
@@ -2098,7 +2098,7 @@
           <a:p>
             <a:fld id="{5037DEC4-F79B-409D-A182-E9F18C195EEA}" type="datetimeFigureOut">
               <a:rPr lang="de-DE" smtClean="0"/>
-              <a:t>02.09.2016</a:t>
+              <a:t>16.09.2016</a:t>
             </a:fld>
             <a:endParaRPr lang="de-DE"/>
           </a:p>
@@ -2351,7 +2351,7 @@
           <a:p>
             <a:fld id="{5037DEC4-F79B-409D-A182-E9F18C195EEA}" type="datetimeFigureOut">
               <a:rPr lang="de-DE" smtClean="0"/>
-              <a:t>02.09.2016</a:t>
+              <a:t>16.09.2016</a:t>
             </a:fld>
             <a:endParaRPr lang="de-DE"/>
           </a:p>
@@ -2564,7 +2564,7 @@
           <a:p>
             <a:fld id="{5037DEC4-F79B-409D-A182-E9F18C195EEA}" type="datetimeFigureOut">
               <a:rPr lang="de-DE" smtClean="0"/>
-              <a:t>02.09.2016</a:t>
+              <a:t>16.09.2016</a:t>
             </a:fld>
             <a:endParaRPr lang="de-DE"/>
           </a:p>
@@ -3711,18 +3711,19 @@
         <p:nvCxnSpPr>
           <p:cNvPr id="44" name="Gerade Verbindung mit Pfeil 35"/>
           <p:cNvCxnSpPr>
-            <a:stCxn id="4" idx="0"/>
             <a:endCxn id="7" idx="1"/>
           </p:cNvCxnSpPr>
           <p:nvPr/>
         </p:nvCxnSpPr>
         <p:spPr>
-          <a:xfrm rot="5400000" flipH="1" flipV="1">
-            <a:off x="4132042" y="1144056"/>
-            <a:ext cx="720768" cy="1919253"/>
-          </a:xfrm>
-          <a:prstGeom prst="bentConnector2">
-            <a:avLst/>
+          <a:xfrm flipV="1">
+            <a:off x="2987042" y="1743298"/>
+            <a:ext cx="2465011" cy="908348"/>
+          </a:xfrm>
+          <a:prstGeom prst="bentConnector3">
+            <a:avLst>
+              <a:gd name="adj1" fmla="val -520"/>
+            </a:avLst>
           </a:prstGeom>
           <a:ln w="101600">
             <a:solidFill>
